--- a/Docs/Presentacion DS.pptx
+++ b/Docs/Presentacion DS.pptx
@@ -5862,13 +5862,13 @@
   <p:clrMapOvr>
     <a:masterClrMapping/>
   </p:clrMapOvr>
-  <mc:AlternateContent xmlns:mc="http://schemas.openxmlformats.org/markup-compatibility/2006">
-    <mc:Choice xmlns:p14="http://schemas.microsoft.com/office/powerpoint/2010/main" Requires="p14">
+  <mc:AlternateContent xmlns:mc="http://schemas.openxmlformats.org/markup-compatibility/2006" xmlns:p14="http://schemas.microsoft.com/office/powerpoint/2010/main">
+    <mc:Choice Requires="p14">
       <p:transition spd="med" p14:dur="700">
         <p:fade/>
       </p:transition>
     </mc:Choice>
-    <mc:Fallback>
+    <mc:Fallback xmlns="">
       <p:transition spd="med">
         <p:fade/>
       </p:transition>
@@ -6552,13 +6552,13 @@
   <p:clrMapOvr>
     <a:masterClrMapping/>
   </p:clrMapOvr>
-  <mc:AlternateContent xmlns:mc="http://schemas.openxmlformats.org/markup-compatibility/2006">
-    <mc:Choice xmlns:p14="http://schemas.microsoft.com/office/powerpoint/2010/main" Requires="p14">
+  <mc:AlternateContent xmlns:mc="http://schemas.openxmlformats.org/markup-compatibility/2006" xmlns:p14="http://schemas.microsoft.com/office/powerpoint/2010/main">
+    <mc:Choice Requires="p14">
       <p:transition spd="med" p14:dur="700">
         <p:fade/>
       </p:transition>
     </mc:Choice>
-    <mc:Fallback>
+    <mc:Fallback xmlns="">
       <p:transition spd="med">
         <p:fade/>
       </p:transition>
@@ -6677,16 +6677,15 @@
             </a:r>
             <a:r>
               <a:rPr lang="es-ES" dirty="0"/>
-              <a:t>: predicción de predicciones correctas.</a:t>
-            </a:r>
-          </a:p>
-          <a:p>
-            <a:pPr marL="621982" lvl="1" indent="-342900">
+              <a:t>: porcentaje de predicciones correctas.</a:t>
+            </a:r>
+          </a:p>
+          <a:p>
+            <a:pPr marL="279082" lvl="1" indent="0">
               <a:buClr>
                 <a:schemeClr val="tx1"/>
               </a:buClr>
-              <a:buFont typeface="Wingdings" panose="05000000000000000000" pitchFamily="2" charset="2"/>
-              <a:buChar char="§"/>
+              <a:buNone/>
             </a:pPr>
             <a:endParaRPr lang="es-ES" dirty="0"/>
           </a:p>
@@ -6817,13 +6816,13 @@
   <p:clrMapOvr>
     <a:masterClrMapping/>
   </p:clrMapOvr>
-  <mc:AlternateContent xmlns:mc="http://schemas.openxmlformats.org/markup-compatibility/2006">
-    <mc:Choice xmlns:p14="http://schemas.microsoft.com/office/powerpoint/2010/main" Requires="p14">
+  <mc:AlternateContent xmlns:mc="http://schemas.openxmlformats.org/markup-compatibility/2006" xmlns:p14="http://schemas.microsoft.com/office/powerpoint/2010/main">
+    <mc:Choice Requires="p14">
       <p:transition spd="med" p14:dur="700">
         <p:fade/>
       </p:transition>
     </mc:Choice>
-    <mc:Fallback>
+    <mc:Fallback xmlns="">
       <p:transition spd="med">
         <p:fade/>
       </p:transition>
@@ -6940,13 +6939,13 @@
   <p:clrMapOvr>
     <a:masterClrMapping/>
   </p:clrMapOvr>
-  <mc:AlternateContent xmlns:mc="http://schemas.openxmlformats.org/markup-compatibility/2006">
-    <mc:Choice xmlns:p14="http://schemas.microsoft.com/office/powerpoint/2010/main" Requires="p14">
+  <mc:AlternateContent xmlns:mc="http://schemas.openxmlformats.org/markup-compatibility/2006" xmlns:p14="http://schemas.microsoft.com/office/powerpoint/2010/main">
+    <mc:Choice Requires="p14">
       <p:transition spd="med" p14:dur="700">
         <p:fade/>
       </p:transition>
     </mc:Choice>
-    <mc:Fallback>
+    <mc:Fallback xmlns="">
       <p:transition spd="med">
         <p:fade/>
       </p:transition>
@@ -7024,13 +7023,13 @@
   <p:clrMapOvr>
     <a:masterClrMapping/>
   </p:clrMapOvr>
-  <mc:AlternateContent xmlns:mc="http://schemas.openxmlformats.org/markup-compatibility/2006">
-    <mc:Choice xmlns:p14="http://schemas.microsoft.com/office/powerpoint/2010/main" Requires="p14">
+  <mc:AlternateContent xmlns:mc="http://schemas.openxmlformats.org/markup-compatibility/2006" xmlns:p14="http://schemas.microsoft.com/office/powerpoint/2010/main">
+    <mc:Choice Requires="p14">
       <p:transition spd="med" p14:dur="700">
         <p:fade/>
       </p:transition>
     </mc:Choice>
-    <mc:Fallback>
+    <mc:Fallback xmlns="">
       <p:transition spd="med">
         <p:fade/>
       </p:transition>
@@ -7108,13 +7107,13 @@
   <p:clrMapOvr>
     <a:masterClrMapping/>
   </p:clrMapOvr>
-  <mc:AlternateContent xmlns:mc="http://schemas.openxmlformats.org/markup-compatibility/2006">
-    <mc:Choice xmlns:p14="http://schemas.microsoft.com/office/powerpoint/2010/main" Requires="p14">
+  <mc:AlternateContent xmlns:mc="http://schemas.openxmlformats.org/markup-compatibility/2006" xmlns:p14="http://schemas.microsoft.com/office/powerpoint/2010/main">
+    <mc:Choice Requires="p14">
       <p:transition spd="med" p14:dur="700">
         <p:fade/>
       </p:transition>
     </mc:Choice>
-    <mc:Fallback>
+    <mc:Fallback xmlns="">
       <p:transition spd="med">
         <p:fade/>
       </p:transition>
@@ -7791,13 +7790,13 @@
   <p:clrMapOvr>
     <a:masterClrMapping/>
   </p:clrMapOvr>
-  <mc:AlternateContent xmlns:mc="http://schemas.openxmlformats.org/markup-compatibility/2006">
-    <mc:Choice xmlns:p14="http://schemas.microsoft.com/office/powerpoint/2010/main" Requires="p14">
+  <mc:AlternateContent xmlns:mc="http://schemas.openxmlformats.org/markup-compatibility/2006" xmlns:p14="http://schemas.microsoft.com/office/powerpoint/2010/main">
+    <mc:Choice Requires="p14">
       <p:transition spd="med" p14:dur="700">
         <p:fade/>
       </p:transition>
     </mc:Choice>
-    <mc:Fallback>
+    <mc:Fallback xmlns="">
       <p:transition spd="med">
         <p:fade/>
       </p:transition>
@@ -8395,13 +8394,13 @@
   <p:clrMapOvr>
     <a:masterClrMapping/>
   </p:clrMapOvr>
-  <mc:AlternateContent xmlns:mc="http://schemas.openxmlformats.org/markup-compatibility/2006">
-    <mc:Choice xmlns:p14="http://schemas.microsoft.com/office/powerpoint/2010/main" Requires="p14">
+  <mc:AlternateContent xmlns:mc="http://schemas.openxmlformats.org/markup-compatibility/2006" xmlns:p14="http://schemas.microsoft.com/office/powerpoint/2010/main">
+    <mc:Choice Requires="p14">
       <p:transition spd="med" p14:dur="700">
         <p:fade/>
       </p:transition>
     </mc:Choice>
-    <mc:Fallback>
+    <mc:Fallback xmlns="">
       <p:transition spd="med">
         <p:fade/>
       </p:transition>
@@ -8619,13 +8618,13 @@
   <p:clrMapOvr>
     <a:masterClrMapping/>
   </p:clrMapOvr>
-  <mc:AlternateContent xmlns:mc="http://schemas.openxmlformats.org/markup-compatibility/2006">
-    <mc:Choice xmlns:p14="http://schemas.microsoft.com/office/powerpoint/2010/main" Requires="p14">
+  <mc:AlternateContent xmlns:mc="http://schemas.openxmlformats.org/markup-compatibility/2006" xmlns:p14="http://schemas.microsoft.com/office/powerpoint/2010/main">
+    <mc:Choice Requires="p14">
       <p:transition spd="med" p14:dur="700">
         <p:fade/>
       </p:transition>
     </mc:Choice>
-    <mc:Fallback>
+    <mc:Fallback xmlns="">
       <p:transition spd="med">
         <p:fade/>
       </p:transition>
@@ -9412,6 +9411,15 @@
 </file>
 
 <file path=customXml/item1.xml><?xml version="1.0" encoding="utf-8"?>
+<?mso-contentType ?>
+<FormTemplates xmlns="http://schemas.microsoft.com/sharepoint/v3/contenttype/forms">
+  <Display>DocumentLibraryForm</Display>
+  <Edit>DocumentLibraryForm</Edit>
+  <New>DocumentLibraryForm</New>
+</FormTemplates>
+</file>
+
+<file path=customXml/item2.xml><?xml version="1.0" encoding="utf-8"?>
 <ct:contentTypeSchema xmlns:ct="http://schemas.microsoft.com/office/2006/metadata/contentType" xmlns:ma="http://schemas.microsoft.com/office/2006/metadata/properties/metaAttributes" ct:_="" ma:_="" ma:contentTypeName="Document" ma:contentTypeID="0x010100AA3F7D94069FF64A86F7DFF56D60E3BE" ma:contentTypeVersion="6" ma:contentTypeDescription="Create a new document." ma:contentTypeScope="" ma:versionID="c32302c77d4085ecf495bdddb7f5e889">
   <xsd:schema xmlns:xsd="http://www.w3.org/2001/XMLSchema" xmlns:xs="http://www.w3.org/2001/XMLSchema" xmlns:p="http://schemas.microsoft.com/office/2006/metadata/properties" xmlns:ns2="a4f35948-e619-41b3-aa29-22878b09cfd2" xmlns:ns3="40262f94-9f35-4ac3-9a90-690165a166b7" targetNamespace="http://schemas.microsoft.com/office/2006/metadata/properties" ma:root="true" ma:fieldsID="4ab5ae46be95f9d0be6107e8200be7a2" ns2:_="" ns3:_="">
     <xsd:import namespace="a4f35948-e619-41b3-aa29-22878b09cfd2"/>
@@ -9592,15 +9600,6 @@
 </ct:contentTypeSchema>
 </file>
 
-<file path=customXml/item2.xml><?xml version="1.0" encoding="utf-8"?>
-<?mso-contentType ?>
-<FormTemplates xmlns="http://schemas.microsoft.com/sharepoint/v3/contenttype/forms">
-  <Display>DocumentLibraryForm</Display>
-  <Edit>DocumentLibraryForm</Edit>
-  <New>DocumentLibraryForm</New>
-</FormTemplates>
-</file>
-
 <file path=customXml/item3.xml><?xml version="1.0" encoding="utf-8"?>
 <p:properties xmlns:p="http://schemas.microsoft.com/office/2006/metadata/properties" xmlns:xsi="http://www.w3.org/2001/XMLSchema-instance" xmlns:pc="http://schemas.microsoft.com/office/infopath/2007/PartnerControls">
   <documentManagement>
@@ -9613,6 +9612,14 @@
 </file>
 
 <file path=customXml/itemProps1.xml><?xml version="1.0" encoding="utf-8"?>
+<ds:datastoreItem xmlns:ds="http://schemas.openxmlformats.org/officeDocument/2006/customXml" ds:itemID="{B11D6E40-F509-498A-BF02-00C895783B4A}">
+  <ds:schemaRefs>
+    <ds:schemaRef ds:uri="http://schemas.microsoft.com/sharepoint/v3/contenttype/forms"/>
+  </ds:schemaRefs>
+</ds:datastoreItem>
+</file>
+
+<file path=customXml/itemProps2.xml><?xml version="1.0" encoding="utf-8"?>
 <ds:datastoreItem xmlns:ds="http://schemas.openxmlformats.org/officeDocument/2006/customXml" ds:itemID="{E5ED73A5-C2D2-4D49-BB89-167E8E32C957}">
   <ds:schemaRefs>
     <ds:schemaRef ds:uri="http://schemas.microsoft.com/office/2006/metadata/contentType"/>
@@ -9627,14 +9634,6 @@
     <ds:schemaRef ds:uri="http://purl.org/dc/elements/1.1/"/>
     <ds:schemaRef ds:uri="http://purl.org/dc/terms/"/>
     <ds:schemaRef ds:uri="http://schemas.microsoft.com/internal/obd"/>
-  </ds:schemaRefs>
-</ds:datastoreItem>
-</file>
-
-<file path=customXml/itemProps2.xml><?xml version="1.0" encoding="utf-8"?>
-<ds:datastoreItem xmlns:ds="http://schemas.openxmlformats.org/officeDocument/2006/customXml" ds:itemID="{B11D6E40-F509-498A-BF02-00C895783B4A}">
-  <ds:schemaRefs>
-    <ds:schemaRef ds:uri="http://schemas.microsoft.com/sharepoint/v3/contenttype/forms"/>
   </ds:schemaRefs>
 </ds:datastoreItem>
 </file>
